--- a/6.pptx
+++ b/6.pptx
@@ -118,6 +118,11 @@
       </a:defRPr>
     </a:lvl9pPr>
   </p:defaultTextStyle>
+  <p:extLst>
+    <p:ext uri="{EFAFB233-063F-42B5-8137-9DF3F51BA10A}">
+      <p15:sldGuideLst xmlns:p15="http://schemas.microsoft.com/office/powerpoint/2012/main"/>
+    </p:ext>
+  </p:extLst>
 </p:presentation>
 </file>
 
@@ -268,7 +273,7 @@
           <a:p>
             <a:fld id="{3B163716-0B69-44F3-97ED-E65C0B2937A8}" type="datetimeFigureOut">
               <a:rPr lang="ko-KR" altLang="en-US" smtClean="0"/>
-              <a:t>2022-06-27</a:t>
+              <a:t>2022-06-29</a:t>
             </a:fld>
             <a:endParaRPr lang="ko-KR" altLang="en-US"/>
           </a:p>
@@ -466,7 +471,7 @@
           <a:p>
             <a:fld id="{3B163716-0B69-44F3-97ED-E65C0B2937A8}" type="datetimeFigureOut">
               <a:rPr lang="ko-KR" altLang="en-US" smtClean="0"/>
-              <a:t>2022-06-27</a:t>
+              <a:t>2022-06-29</a:t>
             </a:fld>
             <a:endParaRPr lang="ko-KR" altLang="en-US"/>
           </a:p>
@@ -674,7 +679,7 @@
           <a:p>
             <a:fld id="{3B163716-0B69-44F3-97ED-E65C0B2937A8}" type="datetimeFigureOut">
               <a:rPr lang="ko-KR" altLang="en-US" smtClean="0"/>
-              <a:t>2022-06-27</a:t>
+              <a:t>2022-06-29</a:t>
             </a:fld>
             <a:endParaRPr lang="ko-KR" altLang="en-US"/>
           </a:p>
@@ -872,7 +877,7 @@
           <a:p>
             <a:fld id="{3B163716-0B69-44F3-97ED-E65C0B2937A8}" type="datetimeFigureOut">
               <a:rPr lang="ko-KR" altLang="en-US" smtClean="0"/>
-              <a:t>2022-06-27</a:t>
+              <a:t>2022-06-29</a:t>
             </a:fld>
             <a:endParaRPr lang="ko-KR" altLang="en-US"/>
           </a:p>
@@ -1147,7 +1152,7 @@
           <a:p>
             <a:fld id="{3B163716-0B69-44F3-97ED-E65C0B2937A8}" type="datetimeFigureOut">
               <a:rPr lang="ko-KR" altLang="en-US" smtClean="0"/>
-              <a:t>2022-06-27</a:t>
+              <a:t>2022-06-29</a:t>
             </a:fld>
             <a:endParaRPr lang="ko-KR" altLang="en-US"/>
           </a:p>
@@ -1412,7 +1417,7 @@
           <a:p>
             <a:fld id="{3B163716-0B69-44F3-97ED-E65C0B2937A8}" type="datetimeFigureOut">
               <a:rPr lang="ko-KR" altLang="en-US" smtClean="0"/>
-              <a:t>2022-06-27</a:t>
+              <a:t>2022-06-29</a:t>
             </a:fld>
             <a:endParaRPr lang="ko-KR" altLang="en-US"/>
           </a:p>
@@ -1824,7 +1829,7 @@
           <a:p>
             <a:fld id="{3B163716-0B69-44F3-97ED-E65C0B2937A8}" type="datetimeFigureOut">
               <a:rPr lang="ko-KR" altLang="en-US" smtClean="0"/>
-              <a:t>2022-06-27</a:t>
+              <a:t>2022-06-29</a:t>
             </a:fld>
             <a:endParaRPr lang="ko-KR" altLang="en-US"/>
           </a:p>
@@ -1965,7 +1970,7 @@
           <a:p>
             <a:fld id="{3B163716-0B69-44F3-97ED-E65C0B2937A8}" type="datetimeFigureOut">
               <a:rPr lang="ko-KR" altLang="en-US" smtClean="0"/>
-              <a:t>2022-06-27</a:t>
+              <a:t>2022-06-29</a:t>
             </a:fld>
             <a:endParaRPr lang="ko-KR" altLang="en-US"/>
           </a:p>
@@ -2078,7 +2083,7 @@
           <a:p>
             <a:fld id="{3B163716-0B69-44F3-97ED-E65C0B2937A8}" type="datetimeFigureOut">
               <a:rPr lang="ko-KR" altLang="en-US" smtClean="0"/>
-              <a:t>2022-06-27</a:t>
+              <a:t>2022-06-29</a:t>
             </a:fld>
             <a:endParaRPr lang="ko-KR" altLang="en-US"/>
           </a:p>
@@ -2389,7 +2394,7 @@
           <a:p>
             <a:fld id="{3B163716-0B69-44F3-97ED-E65C0B2937A8}" type="datetimeFigureOut">
               <a:rPr lang="ko-KR" altLang="en-US" smtClean="0"/>
-              <a:t>2022-06-27</a:t>
+              <a:t>2022-06-29</a:t>
             </a:fld>
             <a:endParaRPr lang="ko-KR" altLang="en-US"/>
           </a:p>
@@ -2677,7 +2682,7 @@
           <a:p>
             <a:fld id="{3B163716-0B69-44F3-97ED-E65C0B2937A8}" type="datetimeFigureOut">
               <a:rPr lang="ko-KR" altLang="en-US" smtClean="0"/>
-              <a:t>2022-06-27</a:t>
+              <a:t>2022-06-29</a:t>
             </a:fld>
             <a:endParaRPr lang="ko-KR" altLang="en-US"/>
           </a:p>
@@ -2918,7 +2923,7 @@
           <a:p>
             <a:fld id="{3B163716-0B69-44F3-97ED-E65C0B2937A8}" type="datetimeFigureOut">
               <a:rPr lang="ko-KR" altLang="en-US" smtClean="0"/>
-              <a:t>2022-06-27</a:t>
+              <a:t>2022-06-29</a:t>
             </a:fld>
             <a:endParaRPr lang="ko-KR" altLang="en-US"/>
           </a:p>
@@ -3665,38 +3670,6 @@
       </p:grpSpPr>
       <p:sp>
         <p:nvSpPr>
-          <p:cNvPr id="2" name="제목 1">
-            <a:extLst>
-              <a:ext uri="{FF2B5EF4-FFF2-40B4-BE49-F238E27FC236}">
-                <a16:creationId xmlns:a16="http://schemas.microsoft.com/office/drawing/2014/main" id="{E432E8BD-8077-4924-956E-3053208BCBDC}"/>
-              </a:ext>
-            </a:extLst>
-          </p:cNvPr>
-          <p:cNvSpPr>
-            <a:spLocks noGrp="1"/>
-          </p:cNvSpPr>
-          <p:nvPr>
-            <p:ph type="title"/>
-          </p:nvPr>
-        </p:nvSpPr>
-        <p:spPr>
-          <a:xfrm>
-            <a:off x="838200" y="365126"/>
-            <a:ext cx="10515600" cy="797928"/>
-          </a:xfrm>
-        </p:spPr>
-        <p:txBody>
-          <a:bodyPr>
-            <a:normAutofit/>
-          </a:bodyPr>
-          <a:lstStyle/>
-          <a:p>
-            <a:endParaRPr lang="ko-KR" altLang="en-US" sz="3200" dirty="0"/>
-          </a:p>
-        </p:txBody>
-      </p:sp>
-      <p:sp>
-        <p:nvSpPr>
           <p:cNvPr id="3" name="내용 개체 틀 2">
             <a:extLst>
               <a:ext uri="{FF2B5EF4-FFF2-40B4-BE49-F238E27FC236}">
@@ -4188,7 +4161,7 @@
           <a:bodyPr/>
           <a:lstStyle/>
           <a:p>
-            <a:endParaRPr lang="ko-KR" altLang="en-US"/>
+            <a:endParaRPr lang="ko-KR" altLang="en-US" dirty="0"/>
           </a:p>
         </p:txBody>
       </p:sp>
